--- a/Group.c6.project.presentation.pptx
+++ b/Group.c6.project.presentation.pptx
@@ -110,6 +110,11 @@
       </a:defRPr>
     </a:lvl9pPr>
   </p:defaultTextStyle>
+  <p:extLst>
+    <p:ext uri="{EFAFB233-063F-42B5-8137-9DF3F51BA10A}">
+      <p15:sldGuideLst xmlns:p15="http://schemas.microsoft.com/office/powerpoint/2012/main"/>
+    </p:ext>
+  </p:extLst>
 </p:presentation>
 </file>
 
@@ -304,7 +309,7 @@
           <a:p>
             <a:fld id="{763673A9-1539-4078-AF02-203D45C07F36}" type="datetimeFigureOut">
               <a:rPr lang="en-GB" smtClean="0"/>
-              <a:t>05/03/2016</a:t>
+              <a:t>06/03/2016</a:t>
             </a:fld>
             <a:endParaRPr lang="en-GB"/>
           </a:p>
@@ -740,7 +745,7 @@
           <a:p>
             <a:fld id="{763673A9-1539-4078-AF02-203D45C07F36}" type="datetimeFigureOut">
               <a:rPr lang="en-GB" smtClean="0"/>
-              <a:t>05/03/2016</a:t>
+              <a:t>06/03/2016</a:t>
             </a:fld>
             <a:endParaRPr lang="en-GB"/>
           </a:p>
@@ -990,7 +995,7 @@
           <a:p>
             <a:fld id="{763673A9-1539-4078-AF02-203D45C07F36}" type="datetimeFigureOut">
               <a:rPr lang="en-GB" smtClean="0"/>
-              <a:t>05/03/2016</a:t>
+              <a:t>06/03/2016</a:t>
             </a:fld>
             <a:endParaRPr lang="en-GB"/>
           </a:p>
@@ -1298,7 +1303,7 @@
           <a:p>
             <a:fld id="{763673A9-1539-4078-AF02-203D45C07F36}" type="datetimeFigureOut">
               <a:rPr lang="en-GB" smtClean="0"/>
-              <a:t>05/03/2016</a:t>
+              <a:t>06/03/2016</a:t>
             </a:fld>
             <a:endParaRPr lang="en-GB"/>
           </a:p>
@@ -1616,7 +1621,7 @@
           <a:p>
             <a:fld id="{763673A9-1539-4078-AF02-203D45C07F36}" type="datetimeFigureOut">
               <a:rPr lang="en-GB" smtClean="0"/>
-              <a:t>05/03/2016</a:t>
+              <a:t>06/03/2016</a:t>
             </a:fld>
             <a:endParaRPr lang="en-GB"/>
           </a:p>
@@ -1918,7 +1923,7 @@
           <a:p>
             <a:fld id="{763673A9-1539-4078-AF02-203D45C07F36}" type="datetimeFigureOut">
               <a:rPr lang="en-GB" smtClean="0"/>
-              <a:t>05/03/2016</a:t>
+              <a:t>06/03/2016</a:t>
             </a:fld>
             <a:endParaRPr lang="en-GB"/>
           </a:p>
@@ -2285,7 +2290,7 @@
           <a:p>
             <a:fld id="{763673A9-1539-4078-AF02-203D45C07F36}" type="datetimeFigureOut">
               <a:rPr lang="en-GB" smtClean="0"/>
-              <a:t>05/03/2016</a:t>
+              <a:t>06/03/2016</a:t>
             </a:fld>
             <a:endParaRPr lang="en-GB"/>
           </a:p>
@@ -2459,7 +2464,7 @@
           <a:p>
             <a:fld id="{763673A9-1539-4078-AF02-203D45C07F36}" type="datetimeFigureOut">
               <a:rPr lang="en-GB" smtClean="0"/>
-              <a:t>05/03/2016</a:t>
+              <a:t>06/03/2016</a:t>
             </a:fld>
             <a:endParaRPr lang="en-GB"/>
           </a:p>
@@ -2639,7 +2644,7 @@
           <a:p>
             <a:fld id="{763673A9-1539-4078-AF02-203D45C07F36}" type="datetimeFigureOut">
               <a:rPr lang="en-GB" smtClean="0"/>
-              <a:t>05/03/2016</a:t>
+              <a:t>06/03/2016</a:t>
             </a:fld>
             <a:endParaRPr lang="en-GB"/>
           </a:p>
@@ -2809,7 +2814,7 @@
           <a:p>
             <a:fld id="{763673A9-1539-4078-AF02-203D45C07F36}" type="datetimeFigureOut">
               <a:rPr lang="en-GB" smtClean="0"/>
-              <a:t>05/03/2016</a:t>
+              <a:t>06/03/2016</a:t>
             </a:fld>
             <a:endParaRPr lang="en-GB"/>
           </a:p>
@@ -3059,7 +3064,7 @@
           <a:p>
             <a:fld id="{763673A9-1539-4078-AF02-203D45C07F36}" type="datetimeFigureOut">
               <a:rPr lang="en-GB" smtClean="0"/>
-              <a:t>05/03/2016</a:t>
+              <a:t>06/03/2016</a:t>
             </a:fld>
             <a:endParaRPr lang="en-GB"/>
           </a:p>
@@ -3295,7 +3300,7 @@
           <a:p>
             <a:fld id="{763673A9-1539-4078-AF02-203D45C07F36}" type="datetimeFigureOut">
               <a:rPr lang="en-GB" smtClean="0"/>
-              <a:t>05/03/2016</a:t>
+              <a:t>06/03/2016</a:t>
             </a:fld>
             <a:endParaRPr lang="en-GB"/>
           </a:p>
@@ -3677,7 +3682,7 @@
           <a:p>
             <a:fld id="{763673A9-1539-4078-AF02-203D45C07F36}" type="datetimeFigureOut">
               <a:rPr lang="en-GB" smtClean="0"/>
-              <a:t>05/03/2016</a:t>
+              <a:t>06/03/2016</a:t>
             </a:fld>
             <a:endParaRPr lang="en-GB"/>
           </a:p>
@@ -3795,7 +3800,7 @@
           <a:p>
             <a:fld id="{763673A9-1539-4078-AF02-203D45C07F36}" type="datetimeFigureOut">
               <a:rPr lang="en-GB" smtClean="0"/>
-              <a:t>05/03/2016</a:t>
+              <a:t>06/03/2016</a:t>
             </a:fld>
             <a:endParaRPr lang="en-GB"/>
           </a:p>
@@ -3890,7 +3895,7 @@
           <a:p>
             <a:fld id="{763673A9-1539-4078-AF02-203D45C07F36}" type="datetimeFigureOut">
               <a:rPr lang="en-GB" smtClean="0"/>
-              <a:t>05/03/2016</a:t>
+              <a:t>06/03/2016</a:t>
             </a:fld>
             <a:endParaRPr lang="en-GB"/>
           </a:p>
@@ -4145,7 +4150,7 @@
           <a:p>
             <a:fld id="{763673A9-1539-4078-AF02-203D45C07F36}" type="datetimeFigureOut">
               <a:rPr lang="en-GB" smtClean="0"/>
-              <a:t>05/03/2016</a:t>
+              <a:t>06/03/2016</a:t>
             </a:fld>
             <a:endParaRPr lang="en-GB"/>
           </a:p>
@@ -4428,7 +4433,7 @@
           <a:p>
             <a:fld id="{763673A9-1539-4078-AF02-203D45C07F36}" type="datetimeFigureOut">
               <a:rPr lang="en-GB" smtClean="0"/>
-              <a:t>05/03/2016</a:t>
+              <a:t>06/03/2016</a:t>
             </a:fld>
             <a:endParaRPr lang="en-GB"/>
           </a:p>
@@ -4834,7 +4839,7 @@
           <a:p>
             <a:fld id="{763673A9-1539-4078-AF02-203D45C07F36}" type="datetimeFigureOut">
               <a:rPr lang="en-GB" smtClean="0"/>
-              <a:t>05/03/2016</a:t>
+              <a:t>06/03/2016</a:t>
             </a:fld>
             <a:endParaRPr lang="en-GB"/>
           </a:p>
@@ -5409,11 +5414,35 @@
           <a:p>
             <a:r>
               <a:rPr lang="en-GB" dirty="0" smtClean="0"/>
-              <a:t>Troy Keeling, Liveta Motiejuanaite , Jon Salmon, Ibrahim </a:t>
+              <a:t>Troy Keeling, </a:t>
+            </a:r>
+            <a:r>
+              <a:rPr lang="en-GB" dirty="0" err="1" smtClean="0"/>
+              <a:t>Liveta</a:t>
+            </a:r>
+            <a:r>
+              <a:rPr lang="en-GB" dirty="0" smtClean="0"/>
+              <a:t> </a:t>
+            </a:r>
+            <a:r>
+              <a:rPr lang="en-GB" dirty="0" err="1" smtClean="0"/>
+              <a:t>Motiejunaite</a:t>
+            </a:r>
+            <a:r>
+              <a:rPr lang="en-GB" dirty="0" smtClean="0"/>
+              <a:t> , Jon Salmon, Ibrahim </a:t>
             </a:r>
             <a:r>
               <a:rPr lang="en-GB" dirty="0" err="1" smtClean="0"/>
               <a:t>Saleem</a:t>
+            </a:r>
+            <a:r>
+              <a:rPr lang="en-GB" dirty="0" smtClean="0"/>
+              <a:t>, Samuel </a:t>
+            </a:r>
+            <a:r>
+              <a:rPr lang="en-GB" dirty="0" err="1" smtClean="0"/>
+              <a:t>Shofowora</a:t>
             </a:r>
             <a:endParaRPr lang="en-GB" dirty="0"/>
           </a:p>
@@ -5499,7 +5528,7 @@
           <a:p>
             <a:r>
               <a:rPr lang="en-GB" dirty="0" smtClean="0"/>
-              <a:t>The initial ide behind our game was to create a scavenger hunt type game where the player will search the map for car parts that will create a brand new car. </a:t>
+              <a:t>The initial idea behind our game was to create a scavenger hunt type game where the player will search the map for car parts that will create a brand new car. </a:t>
             </a:r>
             <a:endParaRPr lang="en-GB" dirty="0"/>
           </a:p>
@@ -5873,6 +5902,38 @@
           <a:bodyPr/>
           <a:lstStyle/>
           <a:p>
+            <a:r>
+              <a:rPr lang="en-GB" dirty="0" smtClean="0"/>
+              <a:t>Basics of searching algorithms;</a:t>
+            </a:r>
+          </a:p>
+          <a:p>
+            <a:r>
+              <a:rPr lang="en-GB" dirty="0" smtClean="0"/>
+              <a:t>Basics of sorting algorithms;</a:t>
+            </a:r>
+          </a:p>
+          <a:p>
+            <a:r>
+              <a:rPr lang="en-GB" dirty="0" smtClean="0"/>
+              <a:t>We improved our skills with ULM and storyboard making;</a:t>
+            </a:r>
+          </a:p>
+          <a:p>
+            <a:r>
+              <a:rPr lang="en-GB" dirty="0" smtClean="0"/>
+              <a:t>How to create a game program using </a:t>
+            </a:r>
+            <a:r>
+              <a:rPr lang="en-GB" dirty="0" err="1" smtClean="0"/>
+              <a:t>pygame</a:t>
+            </a:r>
+            <a:r>
+              <a:rPr lang="en-GB" dirty="0" smtClean="0"/>
+              <a:t>;</a:t>
+            </a:r>
+          </a:p>
+          <a:p>
             <a:endParaRPr lang="en-GB" dirty="0"/>
           </a:p>
         </p:txBody>
@@ -5955,7 +6016,48 @@
           <a:bodyPr/>
           <a:lstStyle/>
           <a:p>
-            <a:endParaRPr lang="en-GB"/>
+            <a:r>
+              <a:rPr lang="en-GB" dirty="0" smtClean="0"/>
+              <a:t>Communication problems – in first weeks we had problems communicating and getting to know each other;</a:t>
+            </a:r>
+          </a:p>
+          <a:p>
+            <a:r>
+              <a:rPr lang="en-GB" dirty="0" smtClean="0"/>
+              <a:t>Time management – first weeks we putted off tasks that we needed to do and for that reason we had difficulties with program development;</a:t>
+            </a:r>
+            <a:endParaRPr lang="en-GB" dirty="0" smtClean="0"/>
+          </a:p>
+          <a:p>
+            <a:r>
+              <a:rPr lang="en-GB" dirty="0" smtClean="0"/>
+              <a:t>Program problems  – we had problems with </a:t>
+            </a:r>
+            <a:r>
+              <a:rPr lang="en-GB" dirty="0" smtClean="0"/>
+              <a:t>searching algorithms</a:t>
+            </a:r>
+            <a:r>
+              <a:rPr lang="en-GB" dirty="0" smtClean="0"/>
+              <a:t>;</a:t>
+            </a:r>
+          </a:p>
+          <a:p>
+            <a:r>
+              <a:rPr lang="en-GB" dirty="0"/>
+              <a:t>Planning </a:t>
+            </a:r>
+            <a:r>
+              <a:rPr lang="en-GB" dirty="0" smtClean="0"/>
+              <a:t>– we did not plan how are we going to do our project.</a:t>
+            </a:r>
+            <a:endParaRPr lang="en-GB" dirty="0" smtClean="0"/>
+          </a:p>
+          <a:p>
+            <a:endParaRPr lang="en-GB" dirty="0" smtClean="0"/>
+          </a:p>
+          <a:p>
+            <a:endParaRPr lang="en-GB" dirty="0"/>
           </a:p>
         </p:txBody>
       </p:sp>
